--- a/Story 6/Food Security.pptx
+++ b/Story 6/Food Security.pptx
@@ -15,7 +15,6 @@
     <p:sldId id="260" r:id="rId11"/>
     <p:sldId id="261" r:id="rId12"/>
     <p:sldId id="262" r:id="rId13"/>
-    <p:sldId id="263" r:id="rId14"/>
   </p:sldIdLst>
   <p:sldSz cy="5143500" cx="9144000"/>
   <p:notesSz cx="6858000" cy="9144000"/>
@@ -1292,7 +1291,7 @@
   <p:cSld>
     <p:spTree>
       <p:nvGrpSpPr>
-        <p:cNvPr id="98" name="Shape 98"/>
+        <p:cNvPr id="99" name="Shape 99"/>
         <p:cNvGrpSpPr/>
         <p:nvPr/>
       </p:nvGrpSpPr>
@@ -1306,7 +1305,7 @@
       </p:grpSpPr>
       <p:sp>
         <p:nvSpPr>
-          <p:cNvPr id="99" name="Google Shape;99;g291a3297369_0_65:notes"/>
+          <p:cNvPr id="100" name="Google Shape;100;g290648affbb_0_13:notes"/>
           <p:cNvSpPr/>
           <p:nvPr>
             <p:ph idx="2" type="sldImg"/>
@@ -1341,106 +1340,7 @@
       </p:sp>
       <p:sp>
         <p:nvSpPr>
-          <p:cNvPr id="100" name="Google Shape;100;g291a3297369_0_65:notes"/>
-          <p:cNvSpPr txBox="1"/>
-          <p:nvPr>
-            <p:ph idx="1" type="body"/>
-          </p:nvPr>
-        </p:nvSpPr>
-        <p:spPr>
-          <a:xfrm>
-            <a:off x="685800" y="4343400"/>
-            <a:ext cx="5486400" cy="4114800"/>
-          </a:xfrm>
-          <a:prstGeom prst="rect">
-            <a:avLst/>
-          </a:prstGeom>
-        </p:spPr>
-        <p:txBody>
-          <a:bodyPr anchorCtr="0" anchor="t" bIns="91425" lIns="91425" spcFirstLastPara="1" rIns="91425" wrap="square" tIns="91425">
-            <a:noAutofit/>
-          </a:bodyPr>
-          <a:lstStyle/>
-          <a:p>
-            <a:pPr indent="0" lvl="0" marL="0" rtl="0" algn="l">
-              <a:spcBef>
-                <a:spcPts val="0"/>
-              </a:spcBef>
-              <a:spcAft>
-                <a:spcPts val="0"/>
-              </a:spcAft>
-              <a:buNone/>
-            </a:pPr>
-            <a:r>
-              <a:t/>
-            </a:r>
-            <a:endParaRPr/>
-          </a:p>
-        </p:txBody>
-      </p:sp>
-    </p:spTree>
-  </p:cSld>
-  <p:clrMapOvr>
-    <a:masterClrMapping/>
-  </p:clrMapOvr>
-</p:notes>
-</file>
-
-<file path=ppt/notesSlides/notesSlide8.xml><?xml version="1.0" encoding="utf-8"?>
-<p:notes xmlns:a="http://schemas.openxmlformats.org/drawingml/2006/main" xmlns:r="http://schemas.openxmlformats.org/officeDocument/2006/relationships" xmlns:mc="http://schemas.openxmlformats.org/markup-compatibility/2006" xmlns:mv="urn:schemas-microsoft-com:mac:vml" xmlns:p="http://schemas.openxmlformats.org/presentationml/2006/main" xmlns:c="http://schemas.openxmlformats.org/drawingml/2006/chart" xmlns:dgm="http://schemas.openxmlformats.org/drawingml/2006/diagram" xmlns:o="urn:schemas-microsoft-com:office:office" xmlns:v="urn:schemas-microsoft-com:vml" xmlns:pvml="urn:schemas-microsoft-com:office:powerpoint" xmlns:com="http://schemas.openxmlformats.org/drawingml/2006/compatibility" xmlns:p14="http://schemas.microsoft.com/office/powerpoint/2010/main" xmlns:p15="http://schemas.microsoft.com/office/powerpoint/2012/main" xmlns:ahyp="http://schemas.microsoft.com/office/drawing/2018/hyperlinkcolor" showMasterPhAnim="0" showMasterSp="0">
-  <p:cSld>
-    <p:spTree>
-      <p:nvGrpSpPr>
-        <p:cNvPr id="105" name="Shape 105"/>
-        <p:cNvGrpSpPr/>
-        <p:nvPr/>
-      </p:nvGrpSpPr>
-      <p:grpSpPr>
-        <a:xfrm>
-          <a:off x="0" y="0"/>
-          <a:ext cx="0" cy="0"/>
-          <a:chOff x="0" y="0"/>
-          <a:chExt cx="0" cy="0"/>
-        </a:xfrm>
-      </p:grpSpPr>
-      <p:sp>
-        <p:nvSpPr>
-          <p:cNvPr id="106" name="Google Shape;106;g290648affbb_0_13:notes"/>
-          <p:cNvSpPr/>
-          <p:nvPr>
-            <p:ph idx="2" type="sldImg"/>
-          </p:nvPr>
-        </p:nvSpPr>
-        <p:spPr>
-          <a:xfrm>
-            <a:off x="381300" y="685800"/>
-            <a:ext cx="6096000" cy="3429000"/>
-          </a:xfrm>
-          <a:custGeom>
-            <a:rect b="b" l="l" r="r" t="t"/>
-            <a:pathLst>
-              <a:path extrusionOk="0" h="120000" w="120000">
-                <a:moveTo>
-                  <a:pt x="0" y="0"/>
-                </a:moveTo>
-                <a:lnTo>
-                  <a:pt x="120000" y="0"/>
-                </a:lnTo>
-                <a:lnTo>
-                  <a:pt x="120000" y="120000"/>
-                </a:lnTo>
-                <a:lnTo>
-                  <a:pt x="0" y="120000"/>
-                </a:lnTo>
-                <a:close/>
-              </a:path>
-            </a:pathLst>
-          </a:custGeom>
-        </p:spPr>
-      </p:sp>
-      <p:sp>
-        <p:nvSpPr>
-          <p:cNvPr id="107" name="Google Shape;107;g290648affbb_0_13:notes"/>
+          <p:cNvPr id="101" name="Google Shape;101;g290648affbb_0_13:notes"/>
           <p:cNvSpPr txBox="1"/>
           <p:nvPr>
             <p:ph idx="1" type="body"/>
@@ -6185,7 +6085,7 @@
             </a:pPr>
             <a:r>
               <a:rPr lang="en"/>
-              <a:t>What Is The State of Food Security and Nutrition in the United States?</a:t>
+              <a:t>What Is the State of Food Security and Nutrition in the United States?</a:t>
             </a:r>
             <a:endParaRPr/>
           </a:p>
@@ -6856,7 +6756,7 @@
         <p:spPr>
           <a:xfrm>
             <a:off x="4072750" y="1473500"/>
-            <a:ext cx="4759500" cy="3669000"/>
+            <a:ext cx="4759500" cy="3111900"/>
           </a:xfrm>
           <a:prstGeom prst="rect">
             <a:avLst/>
@@ -6890,7 +6790,7 @@
               <a:buNone/>
             </a:pPr>
             <a:r>
-              <a:rPr lang="en" sz="1200">
+              <a:rPr lang="en" sz="1000">
                 <a:solidFill>
                   <a:schemeClr val="dk1"/>
                 </a:solidFill>
@@ -6900,7 +6800,7 @@
               </a:rPr>
               <a:t>The prevalence of food insecurity varied considerably among household types. Rates of food insecurity were higher than the national average (10.2 percent) for the following groups:</a:t>
             </a:r>
-            <a:endParaRPr sz="1200">
+            <a:endParaRPr sz="1000">
               <a:solidFill>
                 <a:schemeClr val="dk1"/>
               </a:solidFill>
@@ -6910,7 +6810,7 @@
             </a:endParaRPr>
           </a:p>
           <a:p>
-            <a:pPr indent="-304800" lvl="0" marL="457200" marR="152400" rtl="0" algn="l">
+            <a:pPr indent="-292100" lvl="0" marL="457200" marR="152400" rtl="0" algn="just">
               <a:lnSpc>
                 <a:spcPct val="140000"/>
               </a:lnSpc>
@@ -6923,25 +6823,25 @@
               <a:buClr>
                 <a:schemeClr val="dk1"/>
               </a:buClr>
-              <a:buSzPts val="1200"/>
+              <a:buSzPts val="1000"/>
               <a:buChar char="●"/>
             </a:pPr>
             <a:r>
-              <a:rPr lang="en" sz="1200">
+              <a:rPr lang="en" sz="1000">
                 <a:solidFill>
                   <a:schemeClr val="dk1"/>
                 </a:solidFill>
               </a:rPr>
               <a:t>All households with children (12.5 percent).</a:t>
             </a:r>
-            <a:endParaRPr sz="1200">
+            <a:endParaRPr sz="1000">
               <a:solidFill>
                 <a:schemeClr val="dk1"/>
               </a:solidFill>
             </a:endParaRPr>
           </a:p>
           <a:p>
-            <a:pPr indent="-304800" lvl="0" marL="457200" marR="152400" rtl="0" algn="l">
+            <a:pPr indent="-292100" lvl="0" marL="457200" marR="152400" rtl="0" algn="just">
               <a:lnSpc>
                 <a:spcPct val="140000"/>
               </a:lnSpc>
@@ -6954,25 +6854,25 @@
               <a:buClr>
                 <a:schemeClr val="dk1"/>
               </a:buClr>
-              <a:buSzPts val="1200"/>
+              <a:buSzPts val="1000"/>
               <a:buChar char="●"/>
             </a:pPr>
             <a:r>
-              <a:rPr lang="en" sz="1200">
+              <a:rPr lang="en" sz="1000">
                 <a:solidFill>
                   <a:schemeClr val="dk1"/>
                 </a:solidFill>
               </a:rPr>
               <a:t>Households with children under age 6 (12.9 percent).</a:t>
             </a:r>
-            <a:endParaRPr sz="1200">
+            <a:endParaRPr sz="1000">
               <a:solidFill>
                 <a:schemeClr val="dk1"/>
               </a:solidFill>
             </a:endParaRPr>
           </a:p>
           <a:p>
-            <a:pPr indent="-304800" lvl="0" marL="457200" marR="152400" rtl="0" algn="l">
+            <a:pPr indent="-292100" lvl="0" marL="457200" marR="152400" rtl="0" algn="just">
               <a:lnSpc>
                 <a:spcPct val="140000"/>
               </a:lnSpc>
@@ -6985,25 +6885,25 @@
               <a:buClr>
                 <a:schemeClr val="dk1"/>
               </a:buClr>
-              <a:buSzPts val="1200"/>
+              <a:buSzPts val="1000"/>
               <a:buChar char="●"/>
             </a:pPr>
             <a:r>
-              <a:rPr lang="en" sz="1200">
+              <a:rPr lang="en" sz="1000">
                 <a:solidFill>
                   <a:schemeClr val="dk1"/>
                 </a:solidFill>
               </a:rPr>
               <a:t>Households with children headed by a single woman (24.3 percent) or a single man (16.2 percent).</a:t>
             </a:r>
-            <a:endParaRPr sz="1200">
+            <a:endParaRPr sz="1000">
               <a:solidFill>
                 <a:schemeClr val="dk1"/>
               </a:solidFill>
             </a:endParaRPr>
           </a:p>
           <a:p>
-            <a:pPr indent="-304800" lvl="0" marL="457200" marR="152400" rtl="0" algn="l">
+            <a:pPr indent="-292100" lvl="0" marL="457200" marR="152400" rtl="0" algn="just">
               <a:lnSpc>
                 <a:spcPct val="140000"/>
               </a:lnSpc>
@@ -7016,25 +6916,25 @@
               <a:buClr>
                 <a:schemeClr val="dk1"/>
               </a:buClr>
-              <a:buSzPts val="1200"/>
+              <a:buSzPts val="1000"/>
               <a:buChar char="●"/>
             </a:pPr>
             <a:r>
-              <a:rPr lang="en" sz="1200">
+              <a:rPr lang="en" sz="1000">
                 <a:solidFill>
                   <a:schemeClr val="dk1"/>
                 </a:solidFill>
               </a:rPr>
               <a:t>Women living alone (13.2 percent) and men living alone (12.3 percent).</a:t>
             </a:r>
-            <a:endParaRPr sz="1200">
+            <a:endParaRPr sz="1000">
               <a:solidFill>
                 <a:schemeClr val="dk1"/>
               </a:solidFill>
             </a:endParaRPr>
           </a:p>
           <a:p>
-            <a:pPr indent="-304800" lvl="0" marL="457200" marR="152400" rtl="0" algn="l">
+            <a:pPr indent="-292100" lvl="0" marL="457200" marR="152400" rtl="0" algn="just">
               <a:lnSpc>
                 <a:spcPct val="140000"/>
               </a:lnSpc>
@@ -7047,18 +6947,18 @@
               <a:buClr>
                 <a:schemeClr val="dk1"/>
               </a:buClr>
-              <a:buSzPts val="1200"/>
+              <a:buSzPts val="1000"/>
               <a:buChar char="●"/>
             </a:pPr>
             <a:r>
-              <a:rPr lang="en" sz="1200">
+              <a:rPr lang="en" sz="1000">
                 <a:solidFill>
                   <a:schemeClr val="dk1"/>
                 </a:solidFill>
               </a:rPr>
               <a:t>Households with Black, non-Hispanic (19.8 percent) and Hispanic reference persons (16.2 percent; a household reference person is an adult household member in whose name the housing unit is owned or rented).</a:t>
             </a:r>
-            <a:endParaRPr sz="1000">
+            <a:endParaRPr sz="800">
               <a:solidFill>
                 <a:schemeClr val="dk1"/>
               </a:solidFill>
@@ -7218,7 +7118,7 @@
             <a:tbl>
               <a:tblPr>
                 <a:noFill/>
-                <a:tableStyleId>{D0439B9A-99A6-43A2-83E0-7BC803CC88EE}</a:tableStyleId>
+                <a:tableStyleId>{FDAF580B-B676-45D8-A27A-7818976680BB}</a:tableStyleId>
               </a:tblPr>
               <a:tblGrid>
                 <a:gridCol w="1224450"/>
@@ -7529,7 +7429,7 @@
                   <a:tcPr marT="91425" marB="91425" marR="91425" marL="91425"/>
                 </a:tc>
               </a:tr>
-              <a:tr h="293000">
+              <a:tr h="134475">
                 <a:tc>
                   <a:txBody>
                     <a:bodyPr/>
@@ -7576,7 +7476,8 @@
                         <a:buNone/>
                       </a:pPr>
                       <a:r>
-                        <a:t/>
+                        <a:rPr lang="en" sz="1000"/>
+                        <a:t>…</a:t>
                       </a:r>
                       <a:endParaRPr sz="1000"/>
                     </a:p>
@@ -8010,7 +7911,7 @@
         <p:spPr>
           <a:xfrm>
             <a:off x="974275" y="1405425"/>
-            <a:ext cx="7551300" cy="1508400"/>
+            <a:ext cx="7551300" cy="1262100"/>
           </a:xfrm>
           <a:prstGeom prst="rect">
             <a:avLst/>
@@ -8026,37 +7927,28 @@
           </a:bodyPr>
           <a:lstStyle/>
           <a:p>
-            <a:pPr indent="-317500" lvl="0" marL="457200" rtl="0" algn="l">
-              <a:spcBef>
-                <a:spcPts val="0"/>
-              </a:spcBef>
-              <a:spcAft>
-                <a:spcPts val="0"/>
-              </a:spcAft>
-              <a:buSzPts val="1400"/>
+            <a:pPr indent="-292100" lvl="0" marL="457200" rtl="0" algn="just">
+              <a:spcBef>
+                <a:spcPts val="0"/>
+              </a:spcBef>
+              <a:spcAft>
+                <a:spcPts val="0"/>
+              </a:spcAft>
+              <a:buSzPts val="1000"/>
               <a:buChar char="●"/>
             </a:pPr>
             <a:r>
-              <a:rPr lang="en" sz="1200"/>
-              <a:t>Research studies have shown that food insecurity is related to significantly worse general health, some acute and chronic (</a:t>
+              <a:rPr lang="en" sz="1000"/>
+              <a:t>Numerous r</a:t>
             </a:r>
             <a:r>
-              <a:rPr lang="en" sz="1100" u="sng">
-                <a:solidFill>
-                  <a:schemeClr val="hlink"/>
-                </a:solidFill>
-                <a:hlinkClick r:id="rId3"/>
-              </a:rPr>
-              <a:t>https://pubmed.ncbi.nlm.nih.gov/31501236/</a:t>
+              <a:rPr lang="en" sz="1000"/>
+              <a:t>esearch studies have shown that food insecurity is related to significantly worse general health, some acute and chronic.</a:t>
             </a:r>
-            <a:r>
-              <a:rPr lang="en" sz="1200"/>
-              <a:t>)</a:t>
-            </a:r>
-            <a:endParaRPr sz="1200"/>
+            <a:endParaRPr sz="1000"/>
           </a:p>
           <a:p>
-            <a:pPr indent="0" lvl="0" marL="457200" rtl="0" algn="l">
+            <a:pPr indent="0" lvl="0" marL="457200" rtl="0" algn="just">
               <a:spcBef>
                 <a:spcPts val="0"/>
               </a:spcBef>
@@ -8068,7 +7960,22 @@
             <a:r>
               <a:t/>
             </a:r>
-            <a:endParaRPr sz="1200">
+            <a:endParaRPr sz="1000"/>
+          </a:p>
+          <a:p>
+            <a:pPr indent="0" lvl="0" marL="457200" rtl="0" algn="just">
+              <a:spcBef>
+                <a:spcPts val="0"/>
+              </a:spcBef>
+              <a:spcAft>
+                <a:spcPts val="0"/>
+              </a:spcAft>
+              <a:buNone/>
+            </a:pPr>
+            <a:r>
+              <a:t/>
+            </a:r>
+            <a:endParaRPr sz="1000">
               <a:solidFill>
                 <a:schemeClr val="accent2"/>
               </a:solidFill>
@@ -8078,7 +7985,7 @@
             </a:endParaRPr>
           </a:p>
           <a:p>
-            <a:pPr indent="-304800" lvl="0" marL="457200" rtl="0" algn="l">
+            <a:pPr indent="-292100" lvl="0" marL="457200" rtl="0" algn="just">
               <a:spcBef>
                 <a:spcPts val="0"/>
               </a:spcBef>
@@ -8088,11 +7995,11 @@
               <a:buClr>
                 <a:schemeClr val="accent2"/>
               </a:buClr>
-              <a:buSzPts val="1200"/>
+              <a:buSzPts val="1000"/>
               <a:buChar char="●"/>
             </a:pPr>
             <a:r>
-              <a:rPr lang="en" sz="1200">
+              <a:rPr lang="en" sz="1000">
                 <a:solidFill>
                   <a:schemeClr val="accent2"/>
                 </a:solidFill>
@@ -8102,7 +8009,7 @@
               </a:rPr>
               <a:t>Compared to rates had they not been food insecure, children in food-insecure household had rates of lifetime asthma diagnosis and depressive symptoms that were 19.1% and 27.9% higher, rates of foregone medical care that were 179.8% higher, and rates of emergency department use that were 25.9% higher.</a:t>
             </a:r>
-            <a:endParaRPr sz="1200">
+            <a:endParaRPr sz="1000">
               <a:solidFill>
                 <a:schemeClr val="accent2"/>
               </a:solidFill>
@@ -8149,7 +8056,7 @@
         <p:spPr>
           <a:xfrm>
             <a:off x="311700" y="445025"/>
-            <a:ext cx="8520600" cy="922200"/>
+            <a:ext cx="8520600" cy="658800"/>
           </a:xfrm>
           <a:prstGeom prst="rect">
             <a:avLst/>
@@ -8157,7 +8064,7 @@
         </p:spPr>
         <p:txBody>
           <a:bodyPr anchorCtr="0" anchor="t" bIns="91425" lIns="91425" spcFirstLastPara="1" rIns="91425" wrap="square" tIns="91425">
-            <a:normAutofit fontScale="90000"/>
+            <a:normAutofit/>
           </a:bodyPr>
           <a:lstStyle/>
           <a:p>
@@ -8172,7 +8079,7 @@
             </a:pPr>
             <a:r>
               <a:rPr lang="en"/>
-              <a:t>Policy Recommendations: Increasing Food Security for Children</a:t>
+              <a:t>Increasing Food Security for Children</a:t>
             </a:r>
             <a:endParaRPr/>
           </a:p>
@@ -8226,8 +8133,8 @@
         </p:nvSpPr>
         <p:spPr>
           <a:xfrm>
-            <a:off x="974275" y="1405425"/>
-            <a:ext cx="7551300" cy="2031900"/>
+            <a:off x="966275" y="1189425"/>
+            <a:ext cx="7551300" cy="1569900"/>
           </a:xfrm>
           <a:prstGeom prst="rect">
             <a:avLst/>
@@ -8243,7 +8150,7 @@
           </a:bodyPr>
           <a:lstStyle/>
           <a:p>
-            <a:pPr indent="-304800" lvl="0" marL="457200" rtl="0" algn="l">
+            <a:pPr indent="-292100" lvl="0" marL="457200" rtl="0" algn="just">
               <a:spcBef>
                 <a:spcPts val="0"/>
               </a:spcBef>
@@ -8253,11 +8160,11 @@
               <a:buClr>
                 <a:schemeClr val="accent2"/>
               </a:buClr>
-              <a:buSzPts val="1200"/>
+              <a:buSzPts val="1000"/>
               <a:buChar char="●"/>
             </a:pPr>
             <a:r>
-              <a:rPr lang="en" sz="1200">
+              <a:rPr lang="en" sz="1000">
                 <a:solidFill>
                   <a:schemeClr val="accent2"/>
                 </a:solidFill>
@@ -8267,7 +8174,7 @@
               </a:rPr>
               <a:t>Policies used to reduce household food insecurity among children may also reduce children’s chronic and acute health problems and health care needs.</a:t>
             </a:r>
-            <a:endParaRPr sz="1200">
+            <a:endParaRPr sz="1000">
               <a:solidFill>
                 <a:schemeClr val="accent2"/>
               </a:solidFill>
@@ -8277,7 +8184,7 @@
             </a:endParaRPr>
           </a:p>
           <a:p>
-            <a:pPr indent="0" lvl="0" marL="457200" rtl="0" algn="l">
+            <a:pPr indent="0" lvl="0" marL="457200" rtl="0" algn="just">
               <a:spcBef>
                 <a:spcPts val="0"/>
               </a:spcBef>
@@ -8289,7 +8196,7 @@
             <a:r>
               <a:t/>
             </a:r>
-            <a:endParaRPr sz="1200">
+            <a:endParaRPr sz="1000">
               <a:solidFill>
                 <a:schemeClr val="accent2"/>
               </a:solidFill>
@@ -8299,7 +8206,7 @@
             </a:endParaRPr>
           </a:p>
           <a:p>
-            <a:pPr indent="-304800" lvl="0" marL="457200" rtl="0" algn="l">
+            <a:pPr indent="-292100" lvl="0" marL="457200" rtl="0" algn="just">
               <a:spcBef>
                 <a:spcPts val="0"/>
               </a:spcBef>
@@ -8309,11 +8216,11 @@
               <a:buClr>
                 <a:schemeClr val="accent2"/>
               </a:buClr>
-              <a:buSzPts val="1200"/>
+              <a:buSzPts val="1000"/>
               <a:buChar char="●"/>
             </a:pPr>
             <a:r>
-              <a:rPr lang="en" sz="1200">
+              <a:rPr lang="en" sz="1000">
                 <a:solidFill>
                   <a:schemeClr val="accent2"/>
                 </a:solidFill>
@@ -8323,7 +8230,7 @@
               </a:rPr>
               <a:t>National School Lunch Program (NSLP) provides nutritionally balanced, low-cost or free lunches to children each day. Increased funding for NSLP can have a direct and meaningful impact on food security for children who attend public and nonprofit private schools and residential child care institutions.</a:t>
             </a:r>
-            <a:endParaRPr sz="1200">
+            <a:endParaRPr sz="1000">
               <a:solidFill>
                 <a:schemeClr val="accent2"/>
               </a:solidFill>
@@ -8333,7 +8240,7 @@
             </a:endParaRPr>
           </a:p>
           <a:p>
-            <a:pPr indent="0" lvl="0" marL="457200" rtl="0" algn="l">
+            <a:pPr indent="0" lvl="0" marL="457200" rtl="0" algn="just">
               <a:spcBef>
                 <a:spcPts val="0"/>
               </a:spcBef>
@@ -8345,7 +8252,7 @@
             <a:r>
               <a:t/>
             </a:r>
-            <a:endParaRPr sz="1200">
+            <a:endParaRPr sz="1000">
               <a:solidFill>
                 <a:schemeClr val="accent2"/>
               </a:solidFill>
@@ -8355,7 +8262,7 @@
             </a:endParaRPr>
           </a:p>
           <a:p>
-            <a:pPr indent="-304800" lvl="0" marL="457200" rtl="0" algn="just">
+            <a:pPr indent="-292100" lvl="0" marL="457200" rtl="0" algn="just">
               <a:spcBef>
                 <a:spcPts val="0"/>
               </a:spcBef>
@@ -8365,11 +8272,11 @@
               <a:buClr>
                 <a:schemeClr val="accent2"/>
               </a:buClr>
-              <a:buSzPts val="1200"/>
+              <a:buSzPts val="1000"/>
               <a:buChar char="●"/>
             </a:pPr>
             <a:r>
-              <a:rPr lang="en" sz="1200">
+              <a:rPr lang="en" sz="1000">
                 <a:solidFill>
                   <a:schemeClr val="accent2"/>
                 </a:solidFill>
@@ -8377,9 +8284,9 @@
                   <a:srgbClr val="FFFFFF"/>
                 </a:highlight>
               </a:rPr>
-              <a:t>Increased funding and encouraging participation in SNAP (Supplemental Nutrition Assistance Program) can positively impact health outcomes for low income families by reducing food insecurity.</a:t>
+              <a:t>Increased funding and encouraging participation in SNAP (Supplemental Nutrition Assistance Program) through outreach and awareness education can positively impact health outcomes for low income families by reducing food insecurity.</a:t>
             </a:r>
-            <a:endParaRPr sz="1200">
+            <a:endParaRPr sz="1000">
               <a:solidFill>
                 <a:schemeClr val="accent2"/>
               </a:solidFill>
@@ -8390,6 +8297,34 @@
           </a:p>
         </p:txBody>
       </p:sp>
+      <p:pic>
+        <p:nvPicPr>
+          <p:cNvPr id="98" name="Google Shape;98;p18"/>
+          <p:cNvPicPr preferRelativeResize="0"/>
+          <p:nvPr/>
+        </p:nvPicPr>
+        <p:blipFill>
+          <a:blip r:embed="rId3">
+            <a:alphaModFix/>
+          </a:blip>
+          <a:stretch>
+            <a:fillRect/>
+          </a:stretch>
+        </p:blipFill>
+        <p:spPr>
+          <a:xfrm>
+            <a:off x="1290163" y="2844925"/>
+            <a:ext cx="6903527" cy="2079376"/>
+          </a:xfrm>
+          <a:prstGeom prst="rect">
+            <a:avLst/>
+          </a:prstGeom>
+          <a:noFill/>
+          <a:ln>
+            <a:noFill/>
+          </a:ln>
+        </p:spPr>
+      </p:pic>
     </p:spTree>
   </p:cSld>
   <p:clrMapOvr>
@@ -8403,7 +8338,7 @@
   <p:cSld>
     <p:spTree>
       <p:nvGrpSpPr>
-        <p:cNvPr id="101" name="Shape 101"/>
+        <p:cNvPr id="102" name="Shape 102"/>
         <p:cNvGrpSpPr/>
         <p:nvPr/>
       </p:nvGrpSpPr>
@@ -8417,7 +8352,7 @@
       </p:grpSpPr>
       <p:sp>
         <p:nvSpPr>
-          <p:cNvPr id="102" name="Google Shape;102;p19"/>
+          <p:cNvPr id="103" name="Google Shape;103;p19"/>
           <p:cNvSpPr txBox="1"/>
           <p:nvPr>
             <p:ph type="title"/>
@@ -8425,8 +8360,48 @@
         </p:nvSpPr>
         <p:spPr>
           <a:xfrm>
-            <a:off x="386250" y="480700"/>
-            <a:ext cx="8520600" cy="922200"/>
+            <a:off x="311700" y="445025"/>
+            <a:ext cx="8520600" cy="572700"/>
+          </a:xfrm>
+          <a:prstGeom prst="rect">
+            <a:avLst/>
+          </a:prstGeom>
+        </p:spPr>
+        <p:txBody>
+          <a:bodyPr anchorCtr="0" anchor="t" bIns="91425" lIns="91425" spcFirstLastPara="1" rIns="91425" wrap="square" tIns="91425">
+            <a:normAutofit fontScale="90000"/>
+          </a:bodyPr>
+          <a:lstStyle/>
+          <a:p>
+            <a:pPr indent="0" lvl="0" marL="0" rtl="0" algn="ctr">
+              <a:spcBef>
+                <a:spcPts val="0"/>
+              </a:spcBef>
+              <a:spcAft>
+                <a:spcPts val="0"/>
+              </a:spcAft>
+              <a:buNone/>
+            </a:pPr>
+            <a:r>
+              <a:rPr lang="en"/>
+              <a:t>Data Sources</a:t>
+            </a:r>
+            <a:endParaRPr/>
+          </a:p>
+        </p:txBody>
+      </p:sp>
+      <p:sp>
+        <p:nvSpPr>
+          <p:cNvPr id="104" name="Google Shape;104;p19"/>
+          <p:cNvSpPr txBox="1"/>
+          <p:nvPr>
+            <p:ph idx="1" type="body"/>
+          </p:nvPr>
+        </p:nvSpPr>
+        <p:spPr>
+          <a:xfrm>
+            <a:off x="311700" y="1152475"/>
+            <a:ext cx="8520600" cy="3416400"/>
           </a:xfrm>
           <a:prstGeom prst="rect">
             <a:avLst/>
@@ -8438,18 +8413,110 @@
           </a:bodyPr>
           <a:lstStyle/>
           <a:p>
-            <a:pPr indent="0" lvl="0" marL="0" rtl="0" algn="ctr">
-              <a:spcBef>
-                <a:spcPts val="0"/>
-              </a:spcBef>
-              <a:spcAft>
-                <a:spcPts val="0"/>
-              </a:spcAft>
-              <a:buNone/>
+            <a:pPr indent="-342900" lvl="0" marL="457200" rtl="0" algn="l">
+              <a:spcBef>
+                <a:spcPts val="0"/>
+              </a:spcBef>
+              <a:spcAft>
+                <a:spcPts val="0"/>
+              </a:spcAft>
+              <a:buSzPts val="1800"/>
+              <a:buChar char="●"/>
             </a:pPr>
             <a:r>
               <a:rPr lang="en"/>
-              <a:t>SNAP Participation by State</a:t>
+              <a:t>SNAP Participation: </a:t>
+            </a:r>
+            <a:r>
+              <a:rPr lang="en" u="sng">
+                <a:solidFill>
+                  <a:schemeClr val="hlink"/>
+                </a:solidFill>
+                <a:hlinkClick r:id="rId3"/>
+              </a:rPr>
+              <a:t>https://www.fns.usda.gov/usamap#</a:t>
+            </a:r>
+            <a:endParaRPr/>
+          </a:p>
+          <a:p>
+            <a:pPr indent="-342900" lvl="0" marL="457200" rtl="0" algn="l">
+              <a:spcBef>
+                <a:spcPts val="0"/>
+              </a:spcBef>
+              <a:spcAft>
+                <a:spcPts val="0"/>
+              </a:spcAft>
+              <a:buSzPts val="1800"/>
+              <a:buChar char="●"/>
+            </a:pPr>
+            <a:r>
+              <a:rPr lang="en"/>
+              <a:t>Food Security Status of U.S. Households in 2021: </a:t>
+            </a:r>
+            <a:r>
+              <a:rPr lang="en" u="sng">
+                <a:solidFill>
+                  <a:schemeClr val="hlink"/>
+                </a:solidFill>
+                <a:hlinkClick r:id="rId4"/>
+              </a:rPr>
+              <a:t>https://www.ers.usda.gov/topics/food-nutrition-assistance/food-security-in-the-u-s/key-statistics-graphics/#children</a:t>
+            </a:r>
+            <a:endParaRPr/>
+          </a:p>
+          <a:p>
+            <a:pPr indent="-342900" lvl="0" marL="457200" rtl="0" algn="l">
+              <a:spcBef>
+                <a:spcPts val="0"/>
+              </a:spcBef>
+              <a:spcAft>
+                <a:spcPts val="0"/>
+              </a:spcAft>
+              <a:buSzPts val="1800"/>
+              <a:buChar char="●"/>
+            </a:pPr>
+            <a:r>
+              <a:rPr lang="en"/>
+              <a:t>Food Security and Child Health: </a:t>
+            </a:r>
+            <a:r>
+              <a:rPr lang="en" u="sng">
+                <a:solidFill>
+                  <a:schemeClr val="hlink"/>
+                </a:solidFill>
+                <a:hlinkClick r:id="rId5"/>
+              </a:rPr>
+              <a:t>https://pubmed.ncbi.nlm.nih.gov/31501236</a:t>
+            </a:r>
+            <a:endParaRPr/>
+          </a:p>
+          <a:p>
+            <a:pPr indent="0" lvl="0" marL="0" rtl="0" algn="l">
+              <a:spcBef>
+                <a:spcPts val="0"/>
+              </a:spcBef>
+              <a:spcAft>
+                <a:spcPts val="0"/>
+              </a:spcAft>
+              <a:buNone/>
+            </a:pPr>
+            <a:r>
+              <a:t/>
+            </a:r>
+            <a:endParaRPr/>
+          </a:p>
+          <a:p>
+            <a:pPr indent="0" lvl="0" marL="0" rtl="0" algn="l">
+              <a:spcBef>
+                <a:spcPts val="0"/>
+              </a:spcBef>
+              <a:spcAft>
+                <a:spcPts val="0"/>
+              </a:spcAft>
+              <a:buNone/>
+            </a:pPr>
+            <a:r>
+              <a:t/>
             </a:r>
             <a:endParaRPr/>
           </a:p>
@@ -8457,7 +8524,7 @@
       </p:sp>
       <p:sp>
         <p:nvSpPr>
-          <p:cNvPr id="103" name="Google Shape;103;p19"/>
+          <p:cNvPr id="105" name="Google Shape;105;p19"/>
           <p:cNvSpPr txBox="1"/>
           <p:nvPr>
             <p:ph idx="12" type="sldNum"/>
@@ -8495,271 +8562,6 @@
           </a:p>
         </p:txBody>
       </p:sp>
-      <p:pic>
-        <p:nvPicPr>
-          <p:cNvPr id="104" name="Google Shape;104;p19"/>
-          <p:cNvPicPr preferRelativeResize="0"/>
-          <p:nvPr/>
-        </p:nvPicPr>
-        <p:blipFill>
-          <a:blip r:embed="rId3">
-            <a:alphaModFix/>
-          </a:blip>
-          <a:stretch>
-            <a:fillRect/>
-          </a:stretch>
-        </p:blipFill>
-        <p:spPr>
-          <a:xfrm>
-            <a:off x="152399" y="1555300"/>
-            <a:ext cx="8839202" cy="2662410"/>
-          </a:xfrm>
-          <a:prstGeom prst="rect">
-            <a:avLst/>
-          </a:prstGeom>
-          <a:noFill/>
-          <a:ln>
-            <a:noFill/>
-          </a:ln>
-        </p:spPr>
-      </p:pic>
-    </p:spTree>
-  </p:cSld>
-  <p:clrMapOvr>
-    <a:masterClrMapping/>
-  </p:clrMapOvr>
-</p:sld>
-</file>
-
-<file path=ppt/slides/slide8.xml><?xml version="1.0" encoding="utf-8"?>
-<p:sld xmlns:a="http://schemas.openxmlformats.org/drawingml/2006/main" xmlns:r="http://schemas.openxmlformats.org/officeDocument/2006/relationships" xmlns:mc="http://schemas.openxmlformats.org/markup-compatibility/2006" xmlns:mv="urn:schemas-microsoft-com:mac:vml" xmlns:p="http://schemas.openxmlformats.org/presentationml/2006/main" xmlns:c="http://schemas.openxmlformats.org/drawingml/2006/chart" xmlns:dgm="http://schemas.openxmlformats.org/drawingml/2006/diagram" xmlns:o="urn:schemas-microsoft-com:office:office" xmlns:v="urn:schemas-microsoft-com:vml" xmlns:pvml="urn:schemas-microsoft-com:office:powerpoint" xmlns:com="http://schemas.openxmlformats.org/drawingml/2006/compatibility" xmlns:p14="http://schemas.microsoft.com/office/powerpoint/2010/main" xmlns:p15="http://schemas.microsoft.com/office/powerpoint/2012/main" xmlns:ahyp="http://schemas.microsoft.com/office/drawing/2018/hyperlinkcolor">
-  <p:cSld>
-    <p:spTree>
-      <p:nvGrpSpPr>
-        <p:cNvPr id="108" name="Shape 108"/>
-        <p:cNvGrpSpPr/>
-        <p:nvPr/>
-      </p:nvGrpSpPr>
-      <p:grpSpPr>
-        <a:xfrm>
-          <a:off x="0" y="0"/>
-          <a:ext cx="0" cy="0"/>
-          <a:chOff x="0" y="0"/>
-          <a:chExt cx="0" cy="0"/>
-        </a:xfrm>
-      </p:grpSpPr>
-      <p:sp>
-        <p:nvSpPr>
-          <p:cNvPr id="109" name="Google Shape;109;p20"/>
-          <p:cNvSpPr txBox="1"/>
-          <p:nvPr>
-            <p:ph type="title"/>
-          </p:nvPr>
-        </p:nvSpPr>
-        <p:spPr>
-          <a:xfrm>
-            <a:off x="311700" y="445025"/>
-            <a:ext cx="8520600" cy="572700"/>
-          </a:xfrm>
-          <a:prstGeom prst="rect">
-            <a:avLst/>
-          </a:prstGeom>
-        </p:spPr>
-        <p:txBody>
-          <a:bodyPr anchorCtr="0" anchor="t" bIns="91425" lIns="91425" spcFirstLastPara="1" rIns="91425" wrap="square" tIns="91425">
-            <a:normAutofit fontScale="90000"/>
-          </a:bodyPr>
-          <a:lstStyle/>
-          <a:p>
-            <a:pPr indent="0" lvl="0" marL="0" rtl="0" algn="ctr">
-              <a:spcBef>
-                <a:spcPts val="0"/>
-              </a:spcBef>
-              <a:spcAft>
-                <a:spcPts val="0"/>
-              </a:spcAft>
-              <a:buNone/>
-            </a:pPr>
-            <a:r>
-              <a:rPr lang="en"/>
-              <a:t>Data Sources</a:t>
-            </a:r>
-            <a:endParaRPr/>
-          </a:p>
-        </p:txBody>
-      </p:sp>
-      <p:sp>
-        <p:nvSpPr>
-          <p:cNvPr id="110" name="Google Shape;110;p20"/>
-          <p:cNvSpPr txBox="1"/>
-          <p:nvPr>
-            <p:ph idx="1" type="body"/>
-          </p:nvPr>
-        </p:nvSpPr>
-        <p:spPr>
-          <a:xfrm>
-            <a:off x="311700" y="1152475"/>
-            <a:ext cx="8520600" cy="3416400"/>
-          </a:xfrm>
-          <a:prstGeom prst="rect">
-            <a:avLst/>
-          </a:prstGeom>
-        </p:spPr>
-        <p:txBody>
-          <a:bodyPr anchorCtr="0" anchor="t" bIns="91425" lIns="91425" spcFirstLastPara="1" rIns="91425" wrap="square" tIns="91425">
-            <a:normAutofit/>
-          </a:bodyPr>
-          <a:lstStyle/>
-          <a:p>
-            <a:pPr indent="-342900" lvl="0" marL="457200" rtl="0" algn="l">
-              <a:spcBef>
-                <a:spcPts val="0"/>
-              </a:spcBef>
-              <a:spcAft>
-                <a:spcPts val="0"/>
-              </a:spcAft>
-              <a:buSzPts val="1800"/>
-              <a:buChar char="●"/>
-            </a:pPr>
-            <a:r>
-              <a:rPr lang="en"/>
-              <a:t>SNAP Participation: </a:t>
-            </a:r>
-            <a:r>
-              <a:rPr lang="en" u="sng">
-                <a:solidFill>
-                  <a:schemeClr val="hlink"/>
-                </a:solidFill>
-                <a:hlinkClick r:id="rId3"/>
-              </a:rPr>
-              <a:t>https://www.fns.usda.gov/usamap#</a:t>
-            </a:r>
-            <a:endParaRPr/>
-          </a:p>
-          <a:p>
-            <a:pPr indent="-342900" lvl="0" marL="457200" rtl="0" algn="l">
-              <a:spcBef>
-                <a:spcPts val="0"/>
-              </a:spcBef>
-              <a:spcAft>
-                <a:spcPts val="0"/>
-              </a:spcAft>
-              <a:buSzPts val="1800"/>
-              <a:buChar char="●"/>
-            </a:pPr>
-            <a:r>
-              <a:rPr lang="en"/>
-              <a:t>Food Security Status of U.S. Households in 2021: </a:t>
-            </a:r>
-            <a:r>
-              <a:rPr lang="en" u="sng">
-                <a:solidFill>
-                  <a:schemeClr val="hlink"/>
-                </a:solidFill>
-                <a:hlinkClick r:id="rId4"/>
-              </a:rPr>
-              <a:t>https://www.ers.usda.gov/topics/food-nutrition-assistance/food-security-in-the-u-s/key-statistics-graphics/#children</a:t>
-            </a:r>
-            <a:endParaRPr/>
-          </a:p>
-          <a:p>
-            <a:pPr indent="-342900" lvl="0" marL="457200" rtl="0" algn="l">
-              <a:spcBef>
-                <a:spcPts val="0"/>
-              </a:spcBef>
-              <a:spcAft>
-                <a:spcPts val="0"/>
-              </a:spcAft>
-              <a:buSzPts val="1800"/>
-              <a:buChar char="●"/>
-            </a:pPr>
-            <a:r>
-              <a:rPr lang="en"/>
-              <a:t>Food Security and Child Health: </a:t>
-            </a:r>
-            <a:r>
-              <a:rPr lang="en" u="sng">
-                <a:solidFill>
-                  <a:schemeClr val="hlink"/>
-                </a:solidFill>
-                <a:hlinkClick r:id="rId5"/>
-              </a:rPr>
-              <a:t>https://pubmed.ncbi.nlm.nih.gov/31501236</a:t>
-            </a:r>
-            <a:endParaRPr/>
-          </a:p>
-          <a:p>
-            <a:pPr indent="0" lvl="0" marL="0" rtl="0" algn="l">
-              <a:spcBef>
-                <a:spcPts val="0"/>
-              </a:spcBef>
-              <a:spcAft>
-                <a:spcPts val="0"/>
-              </a:spcAft>
-              <a:buNone/>
-            </a:pPr>
-            <a:r>
-              <a:t/>
-            </a:r>
-            <a:endParaRPr/>
-          </a:p>
-          <a:p>
-            <a:pPr indent="0" lvl="0" marL="0" rtl="0" algn="l">
-              <a:spcBef>
-                <a:spcPts val="0"/>
-              </a:spcBef>
-              <a:spcAft>
-                <a:spcPts val="0"/>
-              </a:spcAft>
-              <a:buNone/>
-            </a:pPr>
-            <a:r>
-              <a:t/>
-            </a:r>
-            <a:endParaRPr/>
-          </a:p>
-        </p:txBody>
-      </p:sp>
-      <p:sp>
-        <p:nvSpPr>
-          <p:cNvPr id="111" name="Google Shape;111;p20"/>
-          <p:cNvSpPr txBox="1"/>
-          <p:nvPr>
-            <p:ph idx="12" type="sldNum"/>
-          </p:nvPr>
-        </p:nvSpPr>
-        <p:spPr>
-          <a:xfrm>
-            <a:off x="8472458" y="4663217"/>
-            <a:ext cx="548700" cy="393600"/>
-          </a:xfrm>
-          <a:prstGeom prst="rect">
-            <a:avLst/>
-          </a:prstGeom>
-        </p:spPr>
-        <p:txBody>
-          <a:bodyPr anchorCtr="0" anchor="ctr" bIns="91425" lIns="91425" spcFirstLastPara="1" rIns="91425" wrap="square" tIns="91425">
-            <a:normAutofit/>
-          </a:bodyPr>
-          <a:lstStyle/>
-          <a:p>
-            <a:pPr indent="0" lvl="0" marL="0" rtl="0" algn="r">
-              <a:spcBef>
-                <a:spcPts val="0"/>
-              </a:spcBef>
-              <a:spcAft>
-                <a:spcPts val="0"/>
-              </a:spcAft>
-              <a:buNone/>
-            </a:pPr>
-            <a:fld id="{00000000-1234-1234-1234-123412341234}" type="slidenum">
-              <a:rPr lang="en"/>
-              <a:t>‹#›</a:t>
-            </a:fld>
-            <a:endParaRPr/>
-          </a:p>
-        </p:txBody>
-      </p:sp>
     </p:spTree>
   </p:cSld>
   <p:clrMapOvr>
@@ -8769,6 +8571,285 @@
 </file>
 
 <file path=ppt/theme/theme1.xml><?xml version="1.0" encoding="utf-8"?>
+<a:theme xmlns:a="http://schemas.openxmlformats.org/drawingml/2006/main" xmlns:r="http://schemas.openxmlformats.org/officeDocument/2006/relationships">
+  <a:themeElements>
+    <a:clrScheme name="Default">
+      <a:dk1>
+        <a:srgbClr val="000000"/>
+      </a:dk1>
+      <a:lt1>
+        <a:srgbClr val="FFFFFF"/>
+      </a:lt1>
+      <a:dk2>
+        <a:srgbClr val="158158"/>
+      </a:dk2>
+      <a:lt2>
+        <a:srgbClr val="F3F3F3"/>
+      </a:lt2>
+      <a:accent1>
+        <a:srgbClr val="058DC7"/>
+      </a:accent1>
+      <a:accent2>
+        <a:srgbClr val="50B432"/>
+      </a:accent2>
+      <a:accent3>
+        <a:srgbClr val="ED561B"/>
+      </a:accent3>
+      <a:accent4>
+        <a:srgbClr val="EDEF00"/>
+      </a:accent4>
+      <a:accent5>
+        <a:srgbClr val="24CBE5"/>
+      </a:accent5>
+      <a:accent6>
+        <a:srgbClr val="64E572"/>
+      </a:accent6>
+      <a:hlink>
+        <a:srgbClr val="2200CC"/>
+      </a:hlink>
+      <a:folHlink>
+        <a:srgbClr val="551A8B"/>
+      </a:folHlink>
+    </a:clrScheme>
+    <a:fontScheme name="Office">
+      <a:majorFont>
+        <a:latin typeface="Arial"/>
+        <a:ea typeface=""/>
+        <a:cs typeface=""/>
+        <a:font script="Jpan" typeface="ＭＳ Ｐゴシック"/>
+        <a:font script="Hang" typeface="맑은 고딕"/>
+        <a:font script="Hans" typeface="宋体"/>
+        <a:font script="Hant" typeface="新細明體"/>
+        <a:font script="Arab" typeface="Times New Roman"/>
+        <a:font script="Hebr" typeface="Times New Roman"/>
+        <a:font script="Thai" typeface="Angsana New"/>
+        <a:font script="Ethi" typeface="Nyala"/>
+        <a:font script="Beng" typeface="Vrinda"/>
+        <a:font script="Gujr" typeface="Shruti"/>
+        <a:font script="Khmr" typeface="MoolBoran"/>
+        <a:font script="Knda" typeface="Tunga"/>
+        <a:font script="Guru" typeface="Raavi"/>
+        <a:font script="Cans" typeface="Euphemia"/>
+        <a:font script="Cher" typeface="Plantagenet Cherokee"/>
+        <a:font script="Yiii" typeface="Microsoft Yi Baiti"/>
+        <a:font script="Tibt" typeface="Microsoft Himalaya"/>
+        <a:font script="Thaa" typeface="MV Boli"/>
+        <a:font script="Deva" typeface="Mangal"/>
+        <a:font script="Telu" typeface="Gautami"/>
+        <a:font script="Taml" typeface="Latha"/>
+        <a:font script="Syrc" typeface="Estrangelo Edessa"/>
+        <a:font script="Orya" typeface="Kalinga"/>
+        <a:font script="Mlym" typeface="Kartika"/>
+        <a:font script="Laoo" typeface="DokChampa"/>
+        <a:font script="Sinh" typeface="Iskoola Pota"/>
+        <a:font script="Mong" typeface="Mongolian Baiti"/>
+        <a:font script="Viet" typeface="Times New Roman"/>
+        <a:font script="Uigh" typeface="Microsoft Uighur"/>
+        <a:font script="Geor" typeface="Sylfaen"/>
+      </a:majorFont>
+      <a:minorFont>
+        <a:latin typeface="Arial"/>
+        <a:ea typeface=""/>
+        <a:cs typeface=""/>
+        <a:font script="Jpan" typeface="ＭＳ Ｐゴシック"/>
+        <a:font script="Hang" typeface="맑은 고딕"/>
+        <a:font script="Hans" typeface="宋体"/>
+        <a:font script="Hant" typeface="新細明體"/>
+        <a:font script="Arab" typeface="Arial"/>
+        <a:font script="Hebr" typeface="Arial"/>
+        <a:font script="Thai" typeface="Cordia New"/>
+        <a:font script="Ethi" typeface="Nyala"/>
+        <a:font script="Beng" typeface="Vrinda"/>
+        <a:font script="Gujr" typeface="Shruti"/>
+        <a:font script="Khmr" typeface="DaunPenh"/>
+        <a:font script="Knda" typeface="Tunga"/>
+        <a:font script="Guru" typeface="Raavi"/>
+        <a:font script="Cans" typeface="Euphemia"/>
+        <a:font script="Cher" typeface="Plantagenet Cherokee"/>
+        <a:font script="Yiii" typeface="Microsoft Yi Baiti"/>
+        <a:font script="Tibt" typeface="Microsoft Himalaya"/>
+        <a:font script="Thaa" typeface="MV Boli"/>
+        <a:font script="Deva" typeface="Mangal"/>
+        <a:font script="Telu" typeface="Gautami"/>
+        <a:font script="Taml" typeface="Latha"/>
+        <a:font script="Syrc" typeface="Estrangelo Edessa"/>
+        <a:font script="Orya" typeface="Kalinga"/>
+        <a:font script="Mlym" typeface="Kartika"/>
+        <a:font script="Laoo" typeface="DokChampa"/>
+        <a:font script="Sinh" typeface="Iskoola Pota"/>
+        <a:font script="Mong" typeface="Mongolian Baiti"/>
+        <a:font script="Viet" typeface="Arial"/>
+        <a:font script="Uigh" typeface="Microsoft Uighur"/>
+        <a:font script="Geor" typeface="Sylfaen"/>
+      </a:minorFont>
+    </a:fontScheme>
+    <a:fmtScheme name="Office">
+      <a:fillStyleLst>
+        <a:solidFill>
+          <a:schemeClr val="phClr"/>
+        </a:solidFill>
+        <a:gradFill rotWithShape="1">
+          <a:gsLst>
+            <a:gs pos="0">
+              <a:schemeClr val="phClr">
+                <a:tint val="50000"/>
+                <a:satMod val="300000"/>
+              </a:schemeClr>
+            </a:gs>
+            <a:gs pos="35000">
+              <a:schemeClr val="phClr">
+                <a:tint val="37000"/>
+                <a:satMod val="300000"/>
+              </a:schemeClr>
+            </a:gs>
+            <a:gs pos="100000">
+              <a:schemeClr val="phClr">
+                <a:tint val="15000"/>
+                <a:satMod val="350000"/>
+              </a:schemeClr>
+            </a:gs>
+          </a:gsLst>
+          <a:lin ang="16200000" scaled="1"/>
+        </a:gradFill>
+        <a:gradFill rotWithShape="1">
+          <a:gsLst>
+            <a:gs pos="0">
+              <a:schemeClr val="phClr">
+                <a:tint val="100000"/>
+                <a:shade val="100000"/>
+                <a:satMod val="130000"/>
+              </a:schemeClr>
+            </a:gs>
+            <a:gs pos="100000">
+              <a:schemeClr val="phClr">
+                <a:tint val="50000"/>
+                <a:shade val="100000"/>
+                <a:satMod val="350000"/>
+              </a:schemeClr>
+            </a:gs>
+          </a:gsLst>
+          <a:lin ang="16200000" scaled="0"/>
+        </a:gradFill>
+      </a:fillStyleLst>
+      <a:lnStyleLst>
+        <a:ln w="9525" cap="flat" cmpd="sng" algn="ctr">
+          <a:solidFill>
+            <a:schemeClr val="phClr">
+              <a:shade val="95000"/>
+              <a:satMod val="105000"/>
+            </a:schemeClr>
+          </a:solidFill>
+          <a:prstDash val="solid"/>
+        </a:ln>
+        <a:ln w="25400" cap="flat" cmpd="sng" algn="ctr">
+          <a:solidFill>
+            <a:schemeClr val="phClr"/>
+          </a:solidFill>
+          <a:prstDash val="solid"/>
+        </a:ln>
+        <a:ln w="38100" cap="flat" cmpd="sng" algn="ctr">
+          <a:solidFill>
+            <a:schemeClr val="phClr"/>
+          </a:solidFill>
+          <a:prstDash val="solid"/>
+        </a:ln>
+      </a:lnStyleLst>
+      <a:effectStyleLst>
+        <a:effectStyle>
+          <a:effectLst>
+            <a:outerShdw blurRad="40000" dist="20000" dir="5400000" rotWithShape="0">
+              <a:srgbClr val="000000">
+                <a:alpha val="38000"/>
+              </a:srgbClr>
+            </a:outerShdw>
+          </a:effectLst>
+        </a:effectStyle>
+        <a:effectStyle>
+          <a:effectLst>
+            <a:outerShdw blurRad="40000" dist="23000" dir="5400000" rotWithShape="0">
+              <a:srgbClr val="000000">
+                <a:alpha val="35000"/>
+              </a:srgbClr>
+            </a:outerShdw>
+          </a:effectLst>
+        </a:effectStyle>
+        <a:effectStyle>
+          <a:effectLst>
+            <a:outerShdw blurRad="40000" dist="23000" dir="5400000" rotWithShape="0">
+              <a:srgbClr val="000000">
+                <a:alpha val="35000"/>
+              </a:srgbClr>
+            </a:outerShdw>
+          </a:effectLst>
+          <a:scene3d>
+            <a:camera prst="orthographicFront">
+              <a:rot lat="0" lon="0" rev="0"/>
+            </a:camera>
+            <a:lightRig rig="threePt" dir="t">
+              <a:rot lat="0" lon="0" rev="1200000"/>
+            </a:lightRig>
+          </a:scene3d>
+          <a:sp3d>
+            <a:bevelT w="63500" h="25400"/>
+          </a:sp3d>
+        </a:effectStyle>
+      </a:effectStyleLst>
+      <a:bgFillStyleLst>
+        <a:solidFill>
+          <a:schemeClr val="phClr"/>
+        </a:solidFill>
+        <a:gradFill rotWithShape="1">
+          <a:gsLst>
+            <a:gs pos="0">
+              <a:schemeClr val="phClr">
+                <a:tint val="40000"/>
+                <a:satMod val="350000"/>
+              </a:schemeClr>
+            </a:gs>
+            <a:gs pos="40000">
+              <a:schemeClr val="phClr">
+                <a:tint val="45000"/>
+                <a:shade val="99000"/>
+                <a:satMod val="350000"/>
+              </a:schemeClr>
+            </a:gs>
+            <a:gs pos="100000">
+              <a:schemeClr val="phClr">
+                <a:shade val="20000"/>
+                <a:satMod val="255000"/>
+              </a:schemeClr>
+            </a:gs>
+          </a:gsLst>
+          <a:path path="circle">
+            <a:fillToRect l="50000" t="-80000" r="50000" b="180000"/>
+          </a:path>
+        </a:gradFill>
+        <a:gradFill rotWithShape="1">
+          <a:gsLst>
+            <a:gs pos="0">
+              <a:schemeClr val="phClr">
+                <a:tint val="80000"/>
+                <a:satMod val="300000"/>
+              </a:schemeClr>
+            </a:gs>
+            <a:gs pos="100000">
+              <a:schemeClr val="phClr">
+                <a:shade val="30000"/>
+                <a:satMod val="200000"/>
+              </a:schemeClr>
+            </a:gs>
+          </a:gsLst>
+          <a:path path="circle">
+            <a:fillToRect l="50000" t="50000" r="50000" b="50000"/>
+          </a:path>
+        </a:gradFill>
+      </a:bgFillStyleLst>
+    </a:fmtScheme>
+  </a:themeElements>
+</a:theme>
+</file>
+
+<file path=ppt/theme/theme2.xml><?xml version="1.0" encoding="utf-8"?>
 <a:theme xmlns:a="http://schemas.openxmlformats.org/drawingml/2006/main" xmlns:r="http://schemas.openxmlformats.org/officeDocument/2006/relationships" name="Simple Light">
   <a:themeElements>
     <a:clrScheme name="Simple Light">
@@ -9045,283 +9126,4 @@
     </a:fmtScheme>
   </a:themeElements>
 </a:theme>
-</file>
-
-<file path=ppt/theme/theme2.xml><?xml version="1.0" encoding="utf-8"?>
-<a:theme xmlns:a="http://schemas.openxmlformats.org/drawingml/2006/main" xmlns:r="http://schemas.openxmlformats.org/officeDocument/2006/relationships">
-  <a:themeElements>
-    <a:clrScheme name="Default">
-      <a:dk1>
-        <a:srgbClr val="000000"/>
-      </a:dk1>
-      <a:lt1>
-        <a:srgbClr val="FFFFFF"/>
-      </a:lt1>
-      <a:dk2>
-        <a:srgbClr val="158158"/>
-      </a:dk2>
-      <a:lt2>
-        <a:srgbClr val="F3F3F3"/>
-      </a:lt2>
-      <a:accent1>
-        <a:srgbClr val="058DC7"/>
-      </a:accent1>
-      <a:accent2>
-        <a:srgbClr val="50B432"/>
-      </a:accent2>
-      <a:accent3>
-        <a:srgbClr val="ED561B"/>
-      </a:accent3>
-      <a:accent4>
-        <a:srgbClr val="EDEF00"/>
-      </a:accent4>
-      <a:accent5>
-        <a:srgbClr val="24CBE5"/>
-      </a:accent5>
-      <a:accent6>
-        <a:srgbClr val="64E572"/>
-      </a:accent6>
-      <a:hlink>
-        <a:srgbClr val="2200CC"/>
-      </a:hlink>
-      <a:folHlink>
-        <a:srgbClr val="551A8B"/>
-      </a:folHlink>
-    </a:clrScheme>
-    <a:fontScheme name="Office">
-      <a:majorFont>
-        <a:latin typeface="Arial"/>
-        <a:ea typeface=""/>
-        <a:cs typeface=""/>
-        <a:font script="Jpan" typeface="ＭＳ Ｐゴシック"/>
-        <a:font script="Hang" typeface="맑은 고딕"/>
-        <a:font script="Hans" typeface="宋体"/>
-        <a:font script="Hant" typeface="新細明體"/>
-        <a:font script="Arab" typeface="Times New Roman"/>
-        <a:font script="Hebr" typeface="Times New Roman"/>
-        <a:font script="Thai" typeface="Angsana New"/>
-        <a:font script="Ethi" typeface="Nyala"/>
-        <a:font script="Beng" typeface="Vrinda"/>
-        <a:font script="Gujr" typeface="Shruti"/>
-        <a:font script="Khmr" typeface="MoolBoran"/>
-        <a:font script="Knda" typeface="Tunga"/>
-        <a:font script="Guru" typeface="Raavi"/>
-        <a:font script="Cans" typeface="Euphemia"/>
-        <a:font script="Cher" typeface="Plantagenet Cherokee"/>
-        <a:font script="Yiii" typeface="Microsoft Yi Baiti"/>
-        <a:font script="Tibt" typeface="Microsoft Himalaya"/>
-        <a:font script="Thaa" typeface="MV Boli"/>
-        <a:font script="Deva" typeface="Mangal"/>
-        <a:font script="Telu" typeface="Gautami"/>
-        <a:font script="Taml" typeface="Latha"/>
-        <a:font script="Syrc" typeface="Estrangelo Edessa"/>
-        <a:font script="Orya" typeface="Kalinga"/>
-        <a:font script="Mlym" typeface="Kartika"/>
-        <a:font script="Laoo" typeface="DokChampa"/>
-        <a:font script="Sinh" typeface="Iskoola Pota"/>
-        <a:font script="Mong" typeface="Mongolian Baiti"/>
-        <a:font script="Viet" typeface="Times New Roman"/>
-        <a:font script="Uigh" typeface="Microsoft Uighur"/>
-        <a:font script="Geor" typeface="Sylfaen"/>
-      </a:majorFont>
-      <a:minorFont>
-        <a:latin typeface="Arial"/>
-        <a:ea typeface=""/>
-        <a:cs typeface=""/>
-        <a:font script="Jpan" typeface="ＭＳ Ｐゴシック"/>
-        <a:font script="Hang" typeface="맑은 고딕"/>
-        <a:font script="Hans" typeface="宋体"/>
-        <a:font script="Hant" typeface="新細明體"/>
-        <a:font script="Arab" typeface="Arial"/>
-        <a:font script="Hebr" typeface="Arial"/>
-        <a:font script="Thai" typeface="Cordia New"/>
-        <a:font script="Ethi" typeface="Nyala"/>
-        <a:font script="Beng" typeface="Vrinda"/>
-        <a:font script="Gujr" typeface="Shruti"/>
-        <a:font script="Khmr" typeface="DaunPenh"/>
-        <a:font script="Knda" typeface="Tunga"/>
-        <a:font script="Guru" typeface="Raavi"/>
-        <a:font script="Cans" typeface="Euphemia"/>
-        <a:font script="Cher" typeface="Plantagenet Cherokee"/>
-        <a:font script="Yiii" typeface="Microsoft Yi Baiti"/>
-        <a:font script="Tibt" typeface="Microsoft Himalaya"/>
-        <a:font script="Thaa" typeface="MV Boli"/>
-        <a:font script="Deva" typeface="Mangal"/>
-        <a:font script="Telu" typeface="Gautami"/>
-        <a:font script="Taml" typeface="Latha"/>
-        <a:font script="Syrc" typeface="Estrangelo Edessa"/>
-        <a:font script="Orya" typeface="Kalinga"/>
-        <a:font script="Mlym" typeface="Kartika"/>
-        <a:font script="Laoo" typeface="DokChampa"/>
-        <a:font script="Sinh" typeface="Iskoola Pota"/>
-        <a:font script="Mong" typeface="Mongolian Baiti"/>
-        <a:font script="Viet" typeface="Arial"/>
-        <a:font script="Uigh" typeface="Microsoft Uighur"/>
-        <a:font script="Geor" typeface="Sylfaen"/>
-      </a:minorFont>
-    </a:fontScheme>
-    <a:fmtScheme name="Office">
-      <a:fillStyleLst>
-        <a:solidFill>
-          <a:schemeClr val="phClr"/>
-        </a:solidFill>
-        <a:gradFill rotWithShape="1">
-          <a:gsLst>
-            <a:gs pos="0">
-              <a:schemeClr val="phClr">
-                <a:tint val="50000"/>
-                <a:satMod val="300000"/>
-              </a:schemeClr>
-            </a:gs>
-            <a:gs pos="35000">
-              <a:schemeClr val="phClr">
-                <a:tint val="37000"/>
-                <a:satMod val="300000"/>
-              </a:schemeClr>
-            </a:gs>
-            <a:gs pos="100000">
-              <a:schemeClr val="phClr">
-                <a:tint val="15000"/>
-                <a:satMod val="350000"/>
-              </a:schemeClr>
-            </a:gs>
-          </a:gsLst>
-          <a:lin ang="16200000" scaled="1"/>
-        </a:gradFill>
-        <a:gradFill rotWithShape="1">
-          <a:gsLst>
-            <a:gs pos="0">
-              <a:schemeClr val="phClr">
-                <a:tint val="100000"/>
-                <a:shade val="100000"/>
-                <a:satMod val="130000"/>
-              </a:schemeClr>
-            </a:gs>
-            <a:gs pos="100000">
-              <a:schemeClr val="phClr">
-                <a:tint val="50000"/>
-                <a:shade val="100000"/>
-                <a:satMod val="350000"/>
-              </a:schemeClr>
-            </a:gs>
-          </a:gsLst>
-          <a:lin ang="16200000" scaled="0"/>
-        </a:gradFill>
-      </a:fillStyleLst>
-      <a:lnStyleLst>
-        <a:ln w="9525" cap="flat" cmpd="sng" algn="ctr">
-          <a:solidFill>
-            <a:schemeClr val="phClr">
-              <a:shade val="95000"/>
-              <a:satMod val="105000"/>
-            </a:schemeClr>
-          </a:solidFill>
-          <a:prstDash val="solid"/>
-        </a:ln>
-        <a:ln w="25400" cap="flat" cmpd="sng" algn="ctr">
-          <a:solidFill>
-            <a:schemeClr val="phClr"/>
-          </a:solidFill>
-          <a:prstDash val="solid"/>
-        </a:ln>
-        <a:ln w="38100" cap="flat" cmpd="sng" algn="ctr">
-          <a:solidFill>
-            <a:schemeClr val="phClr"/>
-          </a:solidFill>
-          <a:prstDash val="solid"/>
-        </a:ln>
-      </a:lnStyleLst>
-      <a:effectStyleLst>
-        <a:effectStyle>
-          <a:effectLst>
-            <a:outerShdw blurRad="40000" dist="20000" dir="5400000" rotWithShape="0">
-              <a:srgbClr val="000000">
-                <a:alpha val="38000"/>
-              </a:srgbClr>
-            </a:outerShdw>
-          </a:effectLst>
-        </a:effectStyle>
-        <a:effectStyle>
-          <a:effectLst>
-            <a:outerShdw blurRad="40000" dist="23000" dir="5400000" rotWithShape="0">
-              <a:srgbClr val="000000">
-                <a:alpha val="35000"/>
-              </a:srgbClr>
-            </a:outerShdw>
-          </a:effectLst>
-        </a:effectStyle>
-        <a:effectStyle>
-          <a:effectLst>
-            <a:outerShdw blurRad="40000" dist="23000" dir="5400000" rotWithShape="0">
-              <a:srgbClr val="000000">
-                <a:alpha val="35000"/>
-              </a:srgbClr>
-            </a:outerShdw>
-          </a:effectLst>
-          <a:scene3d>
-            <a:camera prst="orthographicFront">
-              <a:rot lat="0" lon="0" rev="0"/>
-            </a:camera>
-            <a:lightRig rig="threePt" dir="t">
-              <a:rot lat="0" lon="0" rev="1200000"/>
-            </a:lightRig>
-          </a:scene3d>
-          <a:sp3d>
-            <a:bevelT w="63500" h="25400"/>
-          </a:sp3d>
-        </a:effectStyle>
-      </a:effectStyleLst>
-      <a:bgFillStyleLst>
-        <a:solidFill>
-          <a:schemeClr val="phClr"/>
-        </a:solidFill>
-        <a:gradFill rotWithShape="1">
-          <a:gsLst>
-            <a:gs pos="0">
-              <a:schemeClr val="phClr">
-                <a:tint val="40000"/>
-                <a:satMod val="350000"/>
-              </a:schemeClr>
-            </a:gs>
-            <a:gs pos="40000">
-              <a:schemeClr val="phClr">
-                <a:tint val="45000"/>
-                <a:shade val="99000"/>
-                <a:satMod val="350000"/>
-              </a:schemeClr>
-            </a:gs>
-            <a:gs pos="100000">
-              <a:schemeClr val="phClr">
-                <a:shade val="20000"/>
-                <a:satMod val="255000"/>
-              </a:schemeClr>
-            </a:gs>
-          </a:gsLst>
-          <a:path path="circle">
-            <a:fillToRect l="50000" t="-80000" r="50000" b="180000"/>
-          </a:path>
-        </a:gradFill>
-        <a:gradFill rotWithShape="1">
-          <a:gsLst>
-            <a:gs pos="0">
-              <a:schemeClr val="phClr">
-                <a:tint val="80000"/>
-                <a:satMod val="300000"/>
-              </a:schemeClr>
-            </a:gs>
-            <a:gs pos="100000">
-              <a:schemeClr val="phClr">
-                <a:shade val="30000"/>
-                <a:satMod val="200000"/>
-              </a:schemeClr>
-            </a:gs>
-          </a:gsLst>
-          <a:path path="circle">
-            <a:fillToRect l="50000" t="50000" r="50000" b="50000"/>
-          </a:path>
-        </a:gradFill>
-      </a:bgFillStyleLst>
-    </a:fmtScheme>
-  </a:themeElements>
-</a:theme>
 </file>